--- a/ppt 16-9/1573.主啊！求祢兴起.pptx
+++ b/ppt 16-9/1573.主啊！求祢兴起.pptx
@@ -5,7 +5,7 @@
     <p:sldMasterId id="2147483648" r:id="rId1"/>
   </p:sldMasterIdLst>
   <p:sldIdLst>
-    <p:sldId id="3428" r:id="rId2"/>
+    <p:sldId id="3429" r:id="rId2"/>
   </p:sldIdLst>
   <p:sldSz cx="12192000" cy="6858000"/>
   <p:notesSz cx="6858000" cy="9144000"/>
@@ -129,7 +129,7 @@
           <p:cNvPr id="2" name="标题 1">
             <a:extLst>
               <a:ext uri="{FF2B5EF4-FFF2-40B4-BE49-F238E27FC236}">
-                <a16:creationId xmlns:a16="http://schemas.microsoft.com/office/drawing/2014/main" id="{167465DC-24B3-5CD7-52A3-2D2B3A733EF2}"/>
+                <a16:creationId xmlns:a16="http://schemas.microsoft.com/office/drawing/2014/main" id="{E53A68AA-A1A5-3C45-D631-0B7945DA78E0}"/>
               </a:ext>
             </a:extLst>
           </p:cNvPr>
@@ -166,7 +166,7 @@
           <p:cNvPr id="3" name="副标题 2">
             <a:extLst>
               <a:ext uri="{FF2B5EF4-FFF2-40B4-BE49-F238E27FC236}">
-                <a16:creationId xmlns:a16="http://schemas.microsoft.com/office/drawing/2014/main" id="{15B8D8F9-79E4-E95E-1FD9-67079864B904}"/>
+                <a16:creationId xmlns:a16="http://schemas.microsoft.com/office/drawing/2014/main" id="{459043A7-654E-315E-0D81-88252CC8D387}"/>
               </a:ext>
             </a:extLst>
           </p:cNvPr>
@@ -236,7 +236,7 @@
           <p:cNvPr id="4" name="日期占位符 3">
             <a:extLst>
               <a:ext uri="{FF2B5EF4-FFF2-40B4-BE49-F238E27FC236}">
-                <a16:creationId xmlns:a16="http://schemas.microsoft.com/office/drawing/2014/main" id="{7BC9B603-5219-7D45-38A1-638F7484E455}"/>
+                <a16:creationId xmlns:a16="http://schemas.microsoft.com/office/drawing/2014/main" id="{3DA52064-E61A-95D6-CF0F-07F605B51780}"/>
               </a:ext>
             </a:extLst>
           </p:cNvPr>
@@ -252,7 +252,7 @@
           <a:bodyPr/>
           <a:lstStyle/>
           <a:p>
-            <a:fld id="{73261EF9-80F5-49A3-94D6-B269AED977C5}" type="datetimeFigureOut">
+            <a:fld id="{FD2DB6D4-2B39-4B46-B120-35F5A2BE0022}" type="datetimeFigureOut">
               <a:rPr lang="zh-CN" altLang="en-US" smtClean="0"/>
               <a:t>2024/3/10</a:t>
             </a:fld>
@@ -265,7 +265,7 @@
           <p:cNvPr id="5" name="页脚占位符 4">
             <a:extLst>
               <a:ext uri="{FF2B5EF4-FFF2-40B4-BE49-F238E27FC236}">
-                <a16:creationId xmlns:a16="http://schemas.microsoft.com/office/drawing/2014/main" id="{8708B6D7-05B7-63C1-5671-8FAC95C4E10F}"/>
+                <a16:creationId xmlns:a16="http://schemas.microsoft.com/office/drawing/2014/main" id="{DDF89516-9428-2C35-70DD-FA4FEA9DF1BE}"/>
               </a:ext>
             </a:extLst>
           </p:cNvPr>
@@ -290,7 +290,7 @@
           <p:cNvPr id="6" name="灯片编号占位符 5">
             <a:extLst>
               <a:ext uri="{FF2B5EF4-FFF2-40B4-BE49-F238E27FC236}">
-                <a16:creationId xmlns:a16="http://schemas.microsoft.com/office/drawing/2014/main" id="{B3348EE7-BC13-ACDD-80E0-32A7CB376099}"/>
+                <a16:creationId xmlns:a16="http://schemas.microsoft.com/office/drawing/2014/main" id="{0774B0F4-4CD6-53E2-40AB-2BFE0137D548}"/>
               </a:ext>
             </a:extLst>
           </p:cNvPr>
@@ -306,7 +306,7 @@
           <a:bodyPr/>
           <a:lstStyle/>
           <a:p>
-            <a:fld id="{5B94420A-B2FA-413E-B6DB-BC2F9D919A1A}" type="slidenum">
+            <a:fld id="{7B71F5D0-ACF4-4FF7-84D1-4CA1B6D1E705}" type="slidenum">
               <a:rPr lang="zh-CN" altLang="en-US" smtClean="0"/>
               <a:t>‹#›</a:t>
             </a:fld>
@@ -317,7 +317,7 @@
     </p:spTree>
     <p:extLst>
       <p:ext uri="{BB962C8B-B14F-4D97-AF65-F5344CB8AC3E}">
-        <p14:creationId xmlns:p14="http://schemas.microsoft.com/office/powerpoint/2010/main" val="2280612069"/>
+        <p14:creationId xmlns:p14="http://schemas.microsoft.com/office/powerpoint/2010/main" val="222734475"/>
       </p:ext>
     </p:extLst>
   </p:cSld>
@@ -349,7 +349,7 @@
           <p:cNvPr id="2" name="标题 1">
             <a:extLst>
               <a:ext uri="{FF2B5EF4-FFF2-40B4-BE49-F238E27FC236}">
-                <a16:creationId xmlns:a16="http://schemas.microsoft.com/office/drawing/2014/main" id="{B335CB18-3DDE-E871-9907-294DADB1280A}"/>
+                <a16:creationId xmlns:a16="http://schemas.microsoft.com/office/drawing/2014/main" id="{9F69164E-D3AC-34D0-BA32-78123A7E5C60}"/>
               </a:ext>
             </a:extLst>
           </p:cNvPr>
@@ -377,7 +377,7 @@
           <p:cNvPr id="3" name="竖排文字占位符 2">
             <a:extLst>
               <a:ext uri="{FF2B5EF4-FFF2-40B4-BE49-F238E27FC236}">
-                <a16:creationId xmlns:a16="http://schemas.microsoft.com/office/drawing/2014/main" id="{02E86114-16CF-1FDA-7C48-3560099C4A41}"/>
+                <a16:creationId xmlns:a16="http://schemas.microsoft.com/office/drawing/2014/main" id="{9865C0EA-52BC-01BF-37F3-0E4CA1F8A87A}"/>
               </a:ext>
             </a:extLst>
           </p:cNvPr>
@@ -434,7 +434,7 @@
           <p:cNvPr id="4" name="日期占位符 3">
             <a:extLst>
               <a:ext uri="{FF2B5EF4-FFF2-40B4-BE49-F238E27FC236}">
-                <a16:creationId xmlns:a16="http://schemas.microsoft.com/office/drawing/2014/main" id="{9700D604-2E33-6D5A-02F9-5E573BA2EE0B}"/>
+                <a16:creationId xmlns:a16="http://schemas.microsoft.com/office/drawing/2014/main" id="{0DD2D3F6-1B7A-75E3-BC49-50B2C3094719}"/>
               </a:ext>
             </a:extLst>
           </p:cNvPr>
@@ -450,7 +450,7 @@
           <a:bodyPr/>
           <a:lstStyle/>
           <a:p>
-            <a:fld id="{73261EF9-80F5-49A3-94D6-B269AED977C5}" type="datetimeFigureOut">
+            <a:fld id="{FD2DB6D4-2B39-4B46-B120-35F5A2BE0022}" type="datetimeFigureOut">
               <a:rPr lang="zh-CN" altLang="en-US" smtClean="0"/>
               <a:t>2024/3/10</a:t>
             </a:fld>
@@ -463,7 +463,7 @@
           <p:cNvPr id="5" name="页脚占位符 4">
             <a:extLst>
               <a:ext uri="{FF2B5EF4-FFF2-40B4-BE49-F238E27FC236}">
-                <a16:creationId xmlns:a16="http://schemas.microsoft.com/office/drawing/2014/main" id="{0771EA16-966C-2E4F-EA42-B423299EAD78}"/>
+                <a16:creationId xmlns:a16="http://schemas.microsoft.com/office/drawing/2014/main" id="{824C7547-5F67-4057-E9A4-BD203AFF6B4A}"/>
               </a:ext>
             </a:extLst>
           </p:cNvPr>
@@ -488,7 +488,7 @@
           <p:cNvPr id="6" name="灯片编号占位符 5">
             <a:extLst>
               <a:ext uri="{FF2B5EF4-FFF2-40B4-BE49-F238E27FC236}">
-                <a16:creationId xmlns:a16="http://schemas.microsoft.com/office/drawing/2014/main" id="{0BE92F4B-6C53-7C5C-3BD7-16852E3B3ED0}"/>
+                <a16:creationId xmlns:a16="http://schemas.microsoft.com/office/drawing/2014/main" id="{186C5384-24E4-34FA-C218-00A8D8051C4E}"/>
               </a:ext>
             </a:extLst>
           </p:cNvPr>
@@ -504,7 +504,7 @@
           <a:bodyPr/>
           <a:lstStyle/>
           <a:p>
-            <a:fld id="{5B94420A-B2FA-413E-B6DB-BC2F9D919A1A}" type="slidenum">
+            <a:fld id="{7B71F5D0-ACF4-4FF7-84D1-4CA1B6D1E705}" type="slidenum">
               <a:rPr lang="zh-CN" altLang="en-US" smtClean="0"/>
               <a:t>‹#›</a:t>
             </a:fld>
@@ -515,7 +515,7 @@
     </p:spTree>
     <p:extLst>
       <p:ext uri="{BB962C8B-B14F-4D97-AF65-F5344CB8AC3E}">
-        <p14:creationId xmlns:p14="http://schemas.microsoft.com/office/powerpoint/2010/main" val="1448727763"/>
+        <p14:creationId xmlns:p14="http://schemas.microsoft.com/office/powerpoint/2010/main" val="3078079163"/>
       </p:ext>
     </p:extLst>
   </p:cSld>
@@ -547,7 +547,7 @@
           <p:cNvPr id="2" name="竖排标题 1">
             <a:extLst>
               <a:ext uri="{FF2B5EF4-FFF2-40B4-BE49-F238E27FC236}">
-                <a16:creationId xmlns:a16="http://schemas.microsoft.com/office/drawing/2014/main" id="{D57EE5E2-24B5-D6AB-5FC8-351BDF7FC8B5}"/>
+                <a16:creationId xmlns:a16="http://schemas.microsoft.com/office/drawing/2014/main" id="{AF7D55D7-EA8A-83AF-462E-AE9FBD6361B1}"/>
               </a:ext>
             </a:extLst>
           </p:cNvPr>
@@ -580,7 +580,7 @@
           <p:cNvPr id="3" name="竖排文字占位符 2">
             <a:extLst>
               <a:ext uri="{FF2B5EF4-FFF2-40B4-BE49-F238E27FC236}">
-                <a16:creationId xmlns:a16="http://schemas.microsoft.com/office/drawing/2014/main" id="{42D50949-3058-57DF-C395-1721E0BB22BA}"/>
+                <a16:creationId xmlns:a16="http://schemas.microsoft.com/office/drawing/2014/main" id="{5C0C5AD9-2362-B004-FD7A-EE289FFCE938}"/>
               </a:ext>
             </a:extLst>
           </p:cNvPr>
@@ -642,7 +642,7 @@
           <p:cNvPr id="4" name="日期占位符 3">
             <a:extLst>
               <a:ext uri="{FF2B5EF4-FFF2-40B4-BE49-F238E27FC236}">
-                <a16:creationId xmlns:a16="http://schemas.microsoft.com/office/drawing/2014/main" id="{7FCABB0A-CB2A-0829-AA49-BD79546C5B7A}"/>
+                <a16:creationId xmlns:a16="http://schemas.microsoft.com/office/drawing/2014/main" id="{BFCA4F66-5FF3-54F8-876D-64960401D40A}"/>
               </a:ext>
             </a:extLst>
           </p:cNvPr>
@@ -658,7 +658,7 @@
           <a:bodyPr/>
           <a:lstStyle/>
           <a:p>
-            <a:fld id="{73261EF9-80F5-49A3-94D6-B269AED977C5}" type="datetimeFigureOut">
+            <a:fld id="{FD2DB6D4-2B39-4B46-B120-35F5A2BE0022}" type="datetimeFigureOut">
               <a:rPr lang="zh-CN" altLang="en-US" smtClean="0"/>
               <a:t>2024/3/10</a:t>
             </a:fld>
@@ -671,7 +671,7 @@
           <p:cNvPr id="5" name="页脚占位符 4">
             <a:extLst>
               <a:ext uri="{FF2B5EF4-FFF2-40B4-BE49-F238E27FC236}">
-                <a16:creationId xmlns:a16="http://schemas.microsoft.com/office/drawing/2014/main" id="{44A9942E-20CF-FF60-1898-26EEF9109302}"/>
+                <a16:creationId xmlns:a16="http://schemas.microsoft.com/office/drawing/2014/main" id="{5CF9637B-F967-4469-3A34-6F9436965855}"/>
               </a:ext>
             </a:extLst>
           </p:cNvPr>
@@ -696,7 +696,7 @@
           <p:cNvPr id="6" name="灯片编号占位符 5">
             <a:extLst>
               <a:ext uri="{FF2B5EF4-FFF2-40B4-BE49-F238E27FC236}">
-                <a16:creationId xmlns:a16="http://schemas.microsoft.com/office/drawing/2014/main" id="{CD6307B0-5EC0-661F-5650-1EEF679ADF90}"/>
+                <a16:creationId xmlns:a16="http://schemas.microsoft.com/office/drawing/2014/main" id="{84854260-9A66-8FE2-3B03-4A80742984AD}"/>
               </a:ext>
             </a:extLst>
           </p:cNvPr>
@@ -712,7 +712,7 @@
           <a:bodyPr/>
           <a:lstStyle/>
           <a:p>
-            <a:fld id="{5B94420A-B2FA-413E-B6DB-BC2F9D919A1A}" type="slidenum">
+            <a:fld id="{7B71F5D0-ACF4-4FF7-84D1-4CA1B6D1E705}" type="slidenum">
               <a:rPr lang="zh-CN" altLang="en-US" smtClean="0"/>
               <a:t>‹#›</a:t>
             </a:fld>
@@ -723,7 +723,7 @@
     </p:spTree>
     <p:extLst>
       <p:ext uri="{BB962C8B-B14F-4D97-AF65-F5344CB8AC3E}">
-        <p14:creationId xmlns:p14="http://schemas.microsoft.com/office/powerpoint/2010/main" val="337950477"/>
+        <p14:creationId xmlns:p14="http://schemas.microsoft.com/office/powerpoint/2010/main" val="4185608373"/>
       </p:ext>
     </p:extLst>
   </p:cSld>
@@ -755,7 +755,7 @@
           <p:cNvPr id="2" name="标题 1">
             <a:extLst>
               <a:ext uri="{FF2B5EF4-FFF2-40B4-BE49-F238E27FC236}">
-                <a16:creationId xmlns:a16="http://schemas.microsoft.com/office/drawing/2014/main" id="{9CB17558-B404-EDBE-2F43-69F61634BEE3}"/>
+                <a16:creationId xmlns:a16="http://schemas.microsoft.com/office/drawing/2014/main" id="{660547D7-497C-70D5-D33F-FE65529843F5}"/>
               </a:ext>
             </a:extLst>
           </p:cNvPr>
@@ -783,7 +783,7 @@
           <p:cNvPr id="3" name="内容占位符 2">
             <a:extLst>
               <a:ext uri="{FF2B5EF4-FFF2-40B4-BE49-F238E27FC236}">
-                <a16:creationId xmlns:a16="http://schemas.microsoft.com/office/drawing/2014/main" id="{54814717-10B3-C1C7-6C9A-97939006187D}"/>
+                <a16:creationId xmlns:a16="http://schemas.microsoft.com/office/drawing/2014/main" id="{C998F3F8-4A5A-A104-2B4A-B941C21951F6}"/>
               </a:ext>
             </a:extLst>
           </p:cNvPr>
@@ -840,7 +840,7 @@
           <p:cNvPr id="4" name="日期占位符 3">
             <a:extLst>
               <a:ext uri="{FF2B5EF4-FFF2-40B4-BE49-F238E27FC236}">
-                <a16:creationId xmlns:a16="http://schemas.microsoft.com/office/drawing/2014/main" id="{8E995D47-B00C-7A5F-21BC-7B2CB4DCD679}"/>
+                <a16:creationId xmlns:a16="http://schemas.microsoft.com/office/drawing/2014/main" id="{71059883-DCCB-3C72-FB9B-A95532A56DFE}"/>
               </a:ext>
             </a:extLst>
           </p:cNvPr>
@@ -856,7 +856,7 @@
           <a:bodyPr/>
           <a:lstStyle/>
           <a:p>
-            <a:fld id="{73261EF9-80F5-49A3-94D6-B269AED977C5}" type="datetimeFigureOut">
+            <a:fld id="{FD2DB6D4-2B39-4B46-B120-35F5A2BE0022}" type="datetimeFigureOut">
               <a:rPr lang="zh-CN" altLang="en-US" smtClean="0"/>
               <a:t>2024/3/10</a:t>
             </a:fld>
@@ -869,7 +869,7 @@
           <p:cNvPr id="5" name="页脚占位符 4">
             <a:extLst>
               <a:ext uri="{FF2B5EF4-FFF2-40B4-BE49-F238E27FC236}">
-                <a16:creationId xmlns:a16="http://schemas.microsoft.com/office/drawing/2014/main" id="{67988077-A7DA-3E11-B8DE-426ACCC77542}"/>
+                <a16:creationId xmlns:a16="http://schemas.microsoft.com/office/drawing/2014/main" id="{A61A27E9-8EC5-FC64-5BB3-D3F6FF7174CA}"/>
               </a:ext>
             </a:extLst>
           </p:cNvPr>
@@ -894,7 +894,7 @@
           <p:cNvPr id="6" name="灯片编号占位符 5">
             <a:extLst>
               <a:ext uri="{FF2B5EF4-FFF2-40B4-BE49-F238E27FC236}">
-                <a16:creationId xmlns:a16="http://schemas.microsoft.com/office/drawing/2014/main" id="{AEABB3AF-AC32-804A-BCA7-7FA1C8FB2E4A}"/>
+                <a16:creationId xmlns:a16="http://schemas.microsoft.com/office/drawing/2014/main" id="{E94387FD-479F-0FD0-60C2-003034AE1261}"/>
               </a:ext>
             </a:extLst>
           </p:cNvPr>
@@ -910,7 +910,7 @@
           <a:bodyPr/>
           <a:lstStyle/>
           <a:p>
-            <a:fld id="{5B94420A-B2FA-413E-B6DB-BC2F9D919A1A}" type="slidenum">
+            <a:fld id="{7B71F5D0-ACF4-4FF7-84D1-4CA1B6D1E705}" type="slidenum">
               <a:rPr lang="zh-CN" altLang="en-US" smtClean="0"/>
               <a:t>‹#›</a:t>
             </a:fld>
@@ -921,7 +921,7 @@
     </p:spTree>
     <p:extLst>
       <p:ext uri="{BB962C8B-B14F-4D97-AF65-F5344CB8AC3E}">
-        <p14:creationId xmlns:p14="http://schemas.microsoft.com/office/powerpoint/2010/main" val="338526751"/>
+        <p14:creationId xmlns:p14="http://schemas.microsoft.com/office/powerpoint/2010/main" val="1795593514"/>
       </p:ext>
     </p:extLst>
   </p:cSld>
@@ -953,7 +953,7 @@
           <p:cNvPr id="2" name="标题 1">
             <a:extLst>
               <a:ext uri="{FF2B5EF4-FFF2-40B4-BE49-F238E27FC236}">
-                <a16:creationId xmlns:a16="http://schemas.microsoft.com/office/drawing/2014/main" id="{5708E390-6939-1C41-2ED3-CC3F42B5D416}"/>
+                <a16:creationId xmlns:a16="http://schemas.microsoft.com/office/drawing/2014/main" id="{FA0065B4-F8EA-076D-5E99-AF080D7ED1F0}"/>
               </a:ext>
             </a:extLst>
           </p:cNvPr>
@@ -990,7 +990,7 @@
           <p:cNvPr id="3" name="文本占位符 2">
             <a:extLst>
               <a:ext uri="{FF2B5EF4-FFF2-40B4-BE49-F238E27FC236}">
-                <a16:creationId xmlns:a16="http://schemas.microsoft.com/office/drawing/2014/main" id="{7A26C0D8-5B0D-DD24-4EE2-C49FBFB7D22B}"/>
+                <a16:creationId xmlns:a16="http://schemas.microsoft.com/office/drawing/2014/main" id="{44C1024C-C51D-77E3-0476-5F8FB5A9A6DD}"/>
               </a:ext>
             </a:extLst>
           </p:cNvPr>
@@ -1115,7 +1115,7 @@
           <p:cNvPr id="4" name="日期占位符 3">
             <a:extLst>
               <a:ext uri="{FF2B5EF4-FFF2-40B4-BE49-F238E27FC236}">
-                <a16:creationId xmlns:a16="http://schemas.microsoft.com/office/drawing/2014/main" id="{F12A98B5-7D27-13DA-1FB3-C54F0CE77129}"/>
+                <a16:creationId xmlns:a16="http://schemas.microsoft.com/office/drawing/2014/main" id="{429CAFA0-7C81-537C-7DF5-168F1662B584}"/>
               </a:ext>
             </a:extLst>
           </p:cNvPr>
@@ -1131,7 +1131,7 @@
           <a:bodyPr/>
           <a:lstStyle/>
           <a:p>
-            <a:fld id="{73261EF9-80F5-49A3-94D6-B269AED977C5}" type="datetimeFigureOut">
+            <a:fld id="{FD2DB6D4-2B39-4B46-B120-35F5A2BE0022}" type="datetimeFigureOut">
               <a:rPr lang="zh-CN" altLang="en-US" smtClean="0"/>
               <a:t>2024/3/10</a:t>
             </a:fld>
@@ -1144,7 +1144,7 @@
           <p:cNvPr id="5" name="页脚占位符 4">
             <a:extLst>
               <a:ext uri="{FF2B5EF4-FFF2-40B4-BE49-F238E27FC236}">
-                <a16:creationId xmlns:a16="http://schemas.microsoft.com/office/drawing/2014/main" id="{822F4838-8A4F-6A28-2896-C8FBBF82DBC0}"/>
+                <a16:creationId xmlns:a16="http://schemas.microsoft.com/office/drawing/2014/main" id="{2D5F49B4-3DD5-AD5B-6C0B-B964B960972C}"/>
               </a:ext>
             </a:extLst>
           </p:cNvPr>
@@ -1169,7 +1169,7 @@
           <p:cNvPr id="6" name="灯片编号占位符 5">
             <a:extLst>
               <a:ext uri="{FF2B5EF4-FFF2-40B4-BE49-F238E27FC236}">
-                <a16:creationId xmlns:a16="http://schemas.microsoft.com/office/drawing/2014/main" id="{D22362CF-FB93-3DD3-16CE-894B7C9F47FB}"/>
+                <a16:creationId xmlns:a16="http://schemas.microsoft.com/office/drawing/2014/main" id="{DBC69C69-D20A-532B-DD02-97886ABEAC86}"/>
               </a:ext>
             </a:extLst>
           </p:cNvPr>
@@ -1185,7 +1185,7 @@
           <a:bodyPr/>
           <a:lstStyle/>
           <a:p>
-            <a:fld id="{5B94420A-B2FA-413E-B6DB-BC2F9D919A1A}" type="slidenum">
+            <a:fld id="{7B71F5D0-ACF4-4FF7-84D1-4CA1B6D1E705}" type="slidenum">
               <a:rPr lang="zh-CN" altLang="en-US" smtClean="0"/>
               <a:t>‹#›</a:t>
             </a:fld>
@@ -1196,7 +1196,7 @@
     </p:spTree>
     <p:extLst>
       <p:ext uri="{BB962C8B-B14F-4D97-AF65-F5344CB8AC3E}">
-        <p14:creationId xmlns:p14="http://schemas.microsoft.com/office/powerpoint/2010/main" val="87373995"/>
+        <p14:creationId xmlns:p14="http://schemas.microsoft.com/office/powerpoint/2010/main" val="2675982162"/>
       </p:ext>
     </p:extLst>
   </p:cSld>
@@ -1228,7 +1228,7 @@
           <p:cNvPr id="2" name="标题 1">
             <a:extLst>
               <a:ext uri="{FF2B5EF4-FFF2-40B4-BE49-F238E27FC236}">
-                <a16:creationId xmlns:a16="http://schemas.microsoft.com/office/drawing/2014/main" id="{E09DBB31-607B-4795-7C04-EE178392147E}"/>
+                <a16:creationId xmlns:a16="http://schemas.microsoft.com/office/drawing/2014/main" id="{E4A1FE06-0DA8-18EB-D2BE-773D9A2B0E59}"/>
               </a:ext>
             </a:extLst>
           </p:cNvPr>
@@ -1256,7 +1256,7 @@
           <p:cNvPr id="3" name="内容占位符 2">
             <a:extLst>
               <a:ext uri="{FF2B5EF4-FFF2-40B4-BE49-F238E27FC236}">
-                <a16:creationId xmlns:a16="http://schemas.microsoft.com/office/drawing/2014/main" id="{4246CB26-348F-3A18-C315-CEFFEAEF4683}"/>
+                <a16:creationId xmlns:a16="http://schemas.microsoft.com/office/drawing/2014/main" id="{253CDAC2-C993-A693-1C34-82848261E3EA}"/>
               </a:ext>
             </a:extLst>
           </p:cNvPr>
@@ -1318,7 +1318,7 @@
           <p:cNvPr id="4" name="内容占位符 3">
             <a:extLst>
               <a:ext uri="{FF2B5EF4-FFF2-40B4-BE49-F238E27FC236}">
-                <a16:creationId xmlns:a16="http://schemas.microsoft.com/office/drawing/2014/main" id="{BC3FF497-7627-8BEB-3601-0BBB37732AFB}"/>
+                <a16:creationId xmlns:a16="http://schemas.microsoft.com/office/drawing/2014/main" id="{48D4FFBA-7872-EE57-8739-26407D8CA9B3}"/>
               </a:ext>
             </a:extLst>
           </p:cNvPr>
@@ -1380,7 +1380,7 @@
           <p:cNvPr id="5" name="日期占位符 4">
             <a:extLst>
               <a:ext uri="{FF2B5EF4-FFF2-40B4-BE49-F238E27FC236}">
-                <a16:creationId xmlns:a16="http://schemas.microsoft.com/office/drawing/2014/main" id="{39051027-D021-20D1-7DB8-5D6BFE82FEB0}"/>
+                <a16:creationId xmlns:a16="http://schemas.microsoft.com/office/drawing/2014/main" id="{94199120-FA0F-F4AC-7DA3-C929C3C7B66C}"/>
               </a:ext>
             </a:extLst>
           </p:cNvPr>
@@ -1396,7 +1396,7 @@
           <a:bodyPr/>
           <a:lstStyle/>
           <a:p>
-            <a:fld id="{73261EF9-80F5-49A3-94D6-B269AED977C5}" type="datetimeFigureOut">
+            <a:fld id="{FD2DB6D4-2B39-4B46-B120-35F5A2BE0022}" type="datetimeFigureOut">
               <a:rPr lang="zh-CN" altLang="en-US" smtClean="0"/>
               <a:t>2024/3/10</a:t>
             </a:fld>
@@ -1409,7 +1409,7 @@
           <p:cNvPr id="6" name="页脚占位符 5">
             <a:extLst>
               <a:ext uri="{FF2B5EF4-FFF2-40B4-BE49-F238E27FC236}">
-                <a16:creationId xmlns:a16="http://schemas.microsoft.com/office/drawing/2014/main" id="{F352056E-A98D-A1D2-8266-376CD97C49FB}"/>
+                <a16:creationId xmlns:a16="http://schemas.microsoft.com/office/drawing/2014/main" id="{06A42388-3150-FE75-5D76-3A866E1D4BF2}"/>
               </a:ext>
             </a:extLst>
           </p:cNvPr>
@@ -1434,7 +1434,7 @@
           <p:cNvPr id="7" name="灯片编号占位符 6">
             <a:extLst>
               <a:ext uri="{FF2B5EF4-FFF2-40B4-BE49-F238E27FC236}">
-                <a16:creationId xmlns:a16="http://schemas.microsoft.com/office/drawing/2014/main" id="{79AA6531-611E-9771-8EB5-F70A76FEBE94}"/>
+                <a16:creationId xmlns:a16="http://schemas.microsoft.com/office/drawing/2014/main" id="{D4665F3A-C96C-0EB6-722B-DA351BB88E93}"/>
               </a:ext>
             </a:extLst>
           </p:cNvPr>
@@ -1450,7 +1450,7 @@
           <a:bodyPr/>
           <a:lstStyle/>
           <a:p>
-            <a:fld id="{5B94420A-B2FA-413E-B6DB-BC2F9D919A1A}" type="slidenum">
+            <a:fld id="{7B71F5D0-ACF4-4FF7-84D1-4CA1B6D1E705}" type="slidenum">
               <a:rPr lang="zh-CN" altLang="en-US" smtClean="0"/>
               <a:t>‹#›</a:t>
             </a:fld>
@@ -1461,7 +1461,7 @@
     </p:spTree>
     <p:extLst>
       <p:ext uri="{BB962C8B-B14F-4D97-AF65-F5344CB8AC3E}">
-        <p14:creationId xmlns:p14="http://schemas.microsoft.com/office/powerpoint/2010/main" val="1478723962"/>
+        <p14:creationId xmlns:p14="http://schemas.microsoft.com/office/powerpoint/2010/main" val="3284186385"/>
       </p:ext>
     </p:extLst>
   </p:cSld>
@@ -1493,7 +1493,7 @@
           <p:cNvPr id="2" name="标题 1">
             <a:extLst>
               <a:ext uri="{FF2B5EF4-FFF2-40B4-BE49-F238E27FC236}">
-                <a16:creationId xmlns:a16="http://schemas.microsoft.com/office/drawing/2014/main" id="{B8C7AC6F-E902-D80D-BA43-772E9B665A34}"/>
+                <a16:creationId xmlns:a16="http://schemas.microsoft.com/office/drawing/2014/main" id="{C9DE7312-67C3-A0BD-7DA7-45C67849B630}"/>
               </a:ext>
             </a:extLst>
           </p:cNvPr>
@@ -1526,7 +1526,7 @@
           <p:cNvPr id="3" name="文本占位符 2">
             <a:extLst>
               <a:ext uri="{FF2B5EF4-FFF2-40B4-BE49-F238E27FC236}">
-                <a16:creationId xmlns:a16="http://schemas.microsoft.com/office/drawing/2014/main" id="{F65B3AAA-2F8D-FF74-0761-7727E1AA61E4}"/>
+                <a16:creationId xmlns:a16="http://schemas.microsoft.com/office/drawing/2014/main" id="{FE0269D3-632B-66D2-0E5A-E92B38884D48}"/>
               </a:ext>
             </a:extLst>
           </p:cNvPr>
@@ -1597,7 +1597,7 @@
           <p:cNvPr id="4" name="内容占位符 3">
             <a:extLst>
               <a:ext uri="{FF2B5EF4-FFF2-40B4-BE49-F238E27FC236}">
-                <a16:creationId xmlns:a16="http://schemas.microsoft.com/office/drawing/2014/main" id="{50077DAC-7EA2-CB17-42A1-21AADCFF8B00}"/>
+                <a16:creationId xmlns:a16="http://schemas.microsoft.com/office/drawing/2014/main" id="{4C21C6A3-F282-81FE-27EE-5934F8CBB96C}"/>
               </a:ext>
             </a:extLst>
           </p:cNvPr>
@@ -1659,7 +1659,7 @@
           <p:cNvPr id="5" name="文本占位符 4">
             <a:extLst>
               <a:ext uri="{FF2B5EF4-FFF2-40B4-BE49-F238E27FC236}">
-                <a16:creationId xmlns:a16="http://schemas.microsoft.com/office/drawing/2014/main" id="{61FD83ED-9621-122C-5F02-CD487257DE57}"/>
+                <a16:creationId xmlns:a16="http://schemas.microsoft.com/office/drawing/2014/main" id="{72D5B78B-602B-1344-E02A-426B59AC7033}"/>
               </a:ext>
             </a:extLst>
           </p:cNvPr>
@@ -1730,7 +1730,7 @@
           <p:cNvPr id="6" name="内容占位符 5">
             <a:extLst>
               <a:ext uri="{FF2B5EF4-FFF2-40B4-BE49-F238E27FC236}">
-                <a16:creationId xmlns:a16="http://schemas.microsoft.com/office/drawing/2014/main" id="{74E89B43-A9E2-3A59-DAAE-0F247726585C}"/>
+                <a16:creationId xmlns:a16="http://schemas.microsoft.com/office/drawing/2014/main" id="{91A9BEA9-CFA1-A783-435B-6CA88C06BBF0}"/>
               </a:ext>
             </a:extLst>
           </p:cNvPr>
@@ -1792,7 +1792,7 @@
           <p:cNvPr id="7" name="日期占位符 6">
             <a:extLst>
               <a:ext uri="{FF2B5EF4-FFF2-40B4-BE49-F238E27FC236}">
-                <a16:creationId xmlns:a16="http://schemas.microsoft.com/office/drawing/2014/main" id="{B10F3A18-4EE9-2BB0-3CDC-3972BE99FE41}"/>
+                <a16:creationId xmlns:a16="http://schemas.microsoft.com/office/drawing/2014/main" id="{540FF247-2CC0-01A5-4858-1E35D3E2B60F}"/>
               </a:ext>
             </a:extLst>
           </p:cNvPr>
@@ -1808,7 +1808,7 @@
           <a:bodyPr/>
           <a:lstStyle/>
           <a:p>
-            <a:fld id="{73261EF9-80F5-49A3-94D6-B269AED977C5}" type="datetimeFigureOut">
+            <a:fld id="{FD2DB6D4-2B39-4B46-B120-35F5A2BE0022}" type="datetimeFigureOut">
               <a:rPr lang="zh-CN" altLang="en-US" smtClean="0"/>
               <a:t>2024/3/10</a:t>
             </a:fld>
@@ -1821,7 +1821,7 @@
           <p:cNvPr id="8" name="页脚占位符 7">
             <a:extLst>
               <a:ext uri="{FF2B5EF4-FFF2-40B4-BE49-F238E27FC236}">
-                <a16:creationId xmlns:a16="http://schemas.microsoft.com/office/drawing/2014/main" id="{62303103-D705-2244-0BA1-6FF39113A374}"/>
+                <a16:creationId xmlns:a16="http://schemas.microsoft.com/office/drawing/2014/main" id="{2BDDB6E6-EAC1-F822-5441-D7F02DD6DDA3}"/>
               </a:ext>
             </a:extLst>
           </p:cNvPr>
@@ -1846,7 +1846,7 @@
           <p:cNvPr id="9" name="灯片编号占位符 8">
             <a:extLst>
               <a:ext uri="{FF2B5EF4-FFF2-40B4-BE49-F238E27FC236}">
-                <a16:creationId xmlns:a16="http://schemas.microsoft.com/office/drawing/2014/main" id="{9849E39F-F546-65B7-3DD6-030F970CFFCF}"/>
+                <a16:creationId xmlns:a16="http://schemas.microsoft.com/office/drawing/2014/main" id="{EE1FAE0A-89B7-979F-534F-848520B86A12}"/>
               </a:ext>
             </a:extLst>
           </p:cNvPr>
@@ -1862,7 +1862,7 @@
           <a:bodyPr/>
           <a:lstStyle/>
           <a:p>
-            <a:fld id="{5B94420A-B2FA-413E-B6DB-BC2F9D919A1A}" type="slidenum">
+            <a:fld id="{7B71F5D0-ACF4-4FF7-84D1-4CA1B6D1E705}" type="slidenum">
               <a:rPr lang="zh-CN" altLang="en-US" smtClean="0"/>
               <a:t>‹#›</a:t>
             </a:fld>
@@ -1873,7 +1873,7 @@
     </p:spTree>
     <p:extLst>
       <p:ext uri="{BB962C8B-B14F-4D97-AF65-F5344CB8AC3E}">
-        <p14:creationId xmlns:p14="http://schemas.microsoft.com/office/powerpoint/2010/main" val="1935273785"/>
+        <p14:creationId xmlns:p14="http://schemas.microsoft.com/office/powerpoint/2010/main" val="854001473"/>
       </p:ext>
     </p:extLst>
   </p:cSld>
@@ -1905,7 +1905,7 @@
           <p:cNvPr id="2" name="标题 1">
             <a:extLst>
               <a:ext uri="{FF2B5EF4-FFF2-40B4-BE49-F238E27FC236}">
-                <a16:creationId xmlns:a16="http://schemas.microsoft.com/office/drawing/2014/main" id="{42370601-91C1-B4E9-6AB8-D644B18FB843}"/>
+                <a16:creationId xmlns:a16="http://schemas.microsoft.com/office/drawing/2014/main" id="{98B28DE9-E219-1764-F477-D822481A7BCC}"/>
               </a:ext>
             </a:extLst>
           </p:cNvPr>
@@ -1933,7 +1933,7 @@
           <p:cNvPr id="3" name="日期占位符 2">
             <a:extLst>
               <a:ext uri="{FF2B5EF4-FFF2-40B4-BE49-F238E27FC236}">
-                <a16:creationId xmlns:a16="http://schemas.microsoft.com/office/drawing/2014/main" id="{4BAD40BE-E7B7-C138-5671-A933368F6B5C}"/>
+                <a16:creationId xmlns:a16="http://schemas.microsoft.com/office/drawing/2014/main" id="{D2C1A2E7-722D-2772-95E2-DC26525EF67C}"/>
               </a:ext>
             </a:extLst>
           </p:cNvPr>
@@ -1949,7 +1949,7 @@
           <a:bodyPr/>
           <a:lstStyle/>
           <a:p>
-            <a:fld id="{73261EF9-80F5-49A3-94D6-B269AED977C5}" type="datetimeFigureOut">
+            <a:fld id="{FD2DB6D4-2B39-4B46-B120-35F5A2BE0022}" type="datetimeFigureOut">
               <a:rPr lang="zh-CN" altLang="en-US" smtClean="0"/>
               <a:t>2024/3/10</a:t>
             </a:fld>
@@ -1962,7 +1962,7 @@
           <p:cNvPr id="4" name="页脚占位符 3">
             <a:extLst>
               <a:ext uri="{FF2B5EF4-FFF2-40B4-BE49-F238E27FC236}">
-                <a16:creationId xmlns:a16="http://schemas.microsoft.com/office/drawing/2014/main" id="{91CF95AC-CDB8-518F-B366-AC25F6A41DF2}"/>
+                <a16:creationId xmlns:a16="http://schemas.microsoft.com/office/drawing/2014/main" id="{4FA495C7-B8BA-E8C2-ACFC-369BA3A96E95}"/>
               </a:ext>
             </a:extLst>
           </p:cNvPr>
@@ -1987,7 +1987,7 @@
           <p:cNvPr id="5" name="灯片编号占位符 4">
             <a:extLst>
               <a:ext uri="{FF2B5EF4-FFF2-40B4-BE49-F238E27FC236}">
-                <a16:creationId xmlns:a16="http://schemas.microsoft.com/office/drawing/2014/main" id="{46410A7C-302E-9FAF-0D7A-B05193133ACC}"/>
+                <a16:creationId xmlns:a16="http://schemas.microsoft.com/office/drawing/2014/main" id="{847980F6-6E25-8F61-3060-B07D0A9000C3}"/>
               </a:ext>
             </a:extLst>
           </p:cNvPr>
@@ -2003,7 +2003,7 @@
           <a:bodyPr/>
           <a:lstStyle/>
           <a:p>
-            <a:fld id="{5B94420A-B2FA-413E-B6DB-BC2F9D919A1A}" type="slidenum">
+            <a:fld id="{7B71F5D0-ACF4-4FF7-84D1-4CA1B6D1E705}" type="slidenum">
               <a:rPr lang="zh-CN" altLang="en-US" smtClean="0"/>
               <a:t>‹#›</a:t>
             </a:fld>
@@ -2014,7 +2014,7 @@
     </p:spTree>
     <p:extLst>
       <p:ext uri="{BB962C8B-B14F-4D97-AF65-F5344CB8AC3E}">
-        <p14:creationId xmlns:p14="http://schemas.microsoft.com/office/powerpoint/2010/main" val="1602101376"/>
+        <p14:creationId xmlns:p14="http://schemas.microsoft.com/office/powerpoint/2010/main" val="3258867469"/>
       </p:ext>
     </p:extLst>
   </p:cSld>
@@ -2046,7 +2046,7 @@
           <p:cNvPr id="2" name="日期占位符 1">
             <a:extLst>
               <a:ext uri="{FF2B5EF4-FFF2-40B4-BE49-F238E27FC236}">
-                <a16:creationId xmlns:a16="http://schemas.microsoft.com/office/drawing/2014/main" id="{5C9C831D-27D4-2EFA-CC4B-C53122A46900}"/>
+                <a16:creationId xmlns:a16="http://schemas.microsoft.com/office/drawing/2014/main" id="{BB72B44B-724D-AC99-5FDE-7781AC410DBA}"/>
               </a:ext>
             </a:extLst>
           </p:cNvPr>
@@ -2062,7 +2062,7 @@
           <a:bodyPr/>
           <a:lstStyle/>
           <a:p>
-            <a:fld id="{73261EF9-80F5-49A3-94D6-B269AED977C5}" type="datetimeFigureOut">
+            <a:fld id="{FD2DB6D4-2B39-4B46-B120-35F5A2BE0022}" type="datetimeFigureOut">
               <a:rPr lang="zh-CN" altLang="en-US" smtClean="0"/>
               <a:t>2024/3/10</a:t>
             </a:fld>
@@ -2075,7 +2075,7 @@
           <p:cNvPr id="3" name="页脚占位符 2">
             <a:extLst>
               <a:ext uri="{FF2B5EF4-FFF2-40B4-BE49-F238E27FC236}">
-                <a16:creationId xmlns:a16="http://schemas.microsoft.com/office/drawing/2014/main" id="{43D6E85B-DB8B-8476-299F-DA55B6A7C083}"/>
+                <a16:creationId xmlns:a16="http://schemas.microsoft.com/office/drawing/2014/main" id="{1D3DF7C6-4FA9-7BF3-65F5-F9070AEC44A0}"/>
               </a:ext>
             </a:extLst>
           </p:cNvPr>
@@ -2100,7 +2100,7 @@
           <p:cNvPr id="4" name="灯片编号占位符 3">
             <a:extLst>
               <a:ext uri="{FF2B5EF4-FFF2-40B4-BE49-F238E27FC236}">
-                <a16:creationId xmlns:a16="http://schemas.microsoft.com/office/drawing/2014/main" id="{96E7B41D-4DDD-757C-9196-18CBB59F9924}"/>
+                <a16:creationId xmlns:a16="http://schemas.microsoft.com/office/drawing/2014/main" id="{93CDE986-FEE3-B336-2FFB-9BB99767048D}"/>
               </a:ext>
             </a:extLst>
           </p:cNvPr>
@@ -2116,7 +2116,7 @@
           <a:bodyPr/>
           <a:lstStyle/>
           <a:p>
-            <a:fld id="{5B94420A-B2FA-413E-B6DB-BC2F9D919A1A}" type="slidenum">
+            <a:fld id="{7B71F5D0-ACF4-4FF7-84D1-4CA1B6D1E705}" type="slidenum">
               <a:rPr lang="zh-CN" altLang="en-US" smtClean="0"/>
               <a:t>‹#›</a:t>
             </a:fld>
@@ -2127,7 +2127,7 @@
     </p:spTree>
     <p:extLst>
       <p:ext uri="{BB962C8B-B14F-4D97-AF65-F5344CB8AC3E}">
-        <p14:creationId xmlns:p14="http://schemas.microsoft.com/office/powerpoint/2010/main" val="2999775429"/>
+        <p14:creationId xmlns:p14="http://schemas.microsoft.com/office/powerpoint/2010/main" val="2819143104"/>
       </p:ext>
     </p:extLst>
   </p:cSld>
@@ -2159,7 +2159,7 @@
           <p:cNvPr id="2" name="标题 1">
             <a:extLst>
               <a:ext uri="{FF2B5EF4-FFF2-40B4-BE49-F238E27FC236}">
-                <a16:creationId xmlns:a16="http://schemas.microsoft.com/office/drawing/2014/main" id="{B9DEFD12-01AB-A9FA-65B5-DFB6B7D3B671}"/>
+                <a16:creationId xmlns:a16="http://schemas.microsoft.com/office/drawing/2014/main" id="{EC7CA662-B08E-496D-5C9B-0E64CAC6B493}"/>
               </a:ext>
             </a:extLst>
           </p:cNvPr>
@@ -2196,7 +2196,7 @@
           <p:cNvPr id="3" name="内容占位符 2">
             <a:extLst>
               <a:ext uri="{FF2B5EF4-FFF2-40B4-BE49-F238E27FC236}">
-                <a16:creationId xmlns:a16="http://schemas.microsoft.com/office/drawing/2014/main" id="{9F6A0DA7-6E48-5D5F-31AD-54EBF2F32479}"/>
+                <a16:creationId xmlns:a16="http://schemas.microsoft.com/office/drawing/2014/main" id="{137500A9-50CA-048D-F2D6-BFE41C3D2D02}"/>
               </a:ext>
             </a:extLst>
           </p:cNvPr>
@@ -2286,7 +2286,7 @@
           <p:cNvPr id="4" name="文本占位符 3">
             <a:extLst>
               <a:ext uri="{FF2B5EF4-FFF2-40B4-BE49-F238E27FC236}">
-                <a16:creationId xmlns:a16="http://schemas.microsoft.com/office/drawing/2014/main" id="{AAFE2F70-3B0E-D23B-EB71-947A23BD196D}"/>
+                <a16:creationId xmlns:a16="http://schemas.microsoft.com/office/drawing/2014/main" id="{5F7AC016-0A57-7046-F169-6540711B334C}"/>
               </a:ext>
             </a:extLst>
           </p:cNvPr>
@@ -2357,7 +2357,7 @@
           <p:cNvPr id="5" name="日期占位符 4">
             <a:extLst>
               <a:ext uri="{FF2B5EF4-FFF2-40B4-BE49-F238E27FC236}">
-                <a16:creationId xmlns:a16="http://schemas.microsoft.com/office/drawing/2014/main" id="{FEDCAD11-F6B2-A9D9-CBD9-E21DA72CEDD4}"/>
+                <a16:creationId xmlns:a16="http://schemas.microsoft.com/office/drawing/2014/main" id="{FB30E808-5928-FCE4-5204-F38D00254084}"/>
               </a:ext>
             </a:extLst>
           </p:cNvPr>
@@ -2373,7 +2373,7 @@
           <a:bodyPr/>
           <a:lstStyle/>
           <a:p>
-            <a:fld id="{73261EF9-80F5-49A3-94D6-B269AED977C5}" type="datetimeFigureOut">
+            <a:fld id="{FD2DB6D4-2B39-4B46-B120-35F5A2BE0022}" type="datetimeFigureOut">
               <a:rPr lang="zh-CN" altLang="en-US" smtClean="0"/>
               <a:t>2024/3/10</a:t>
             </a:fld>
@@ -2386,7 +2386,7 @@
           <p:cNvPr id="6" name="页脚占位符 5">
             <a:extLst>
               <a:ext uri="{FF2B5EF4-FFF2-40B4-BE49-F238E27FC236}">
-                <a16:creationId xmlns:a16="http://schemas.microsoft.com/office/drawing/2014/main" id="{77B0462F-7B5A-A91D-4123-533DBEFDDB67}"/>
+                <a16:creationId xmlns:a16="http://schemas.microsoft.com/office/drawing/2014/main" id="{2630F444-698D-48EF-9C66-F2DCE6C99DCA}"/>
               </a:ext>
             </a:extLst>
           </p:cNvPr>
@@ -2411,7 +2411,7 @@
           <p:cNvPr id="7" name="灯片编号占位符 6">
             <a:extLst>
               <a:ext uri="{FF2B5EF4-FFF2-40B4-BE49-F238E27FC236}">
-                <a16:creationId xmlns:a16="http://schemas.microsoft.com/office/drawing/2014/main" id="{0A5BA5BF-1BC4-865D-ACF0-86D27EA2E5DD}"/>
+                <a16:creationId xmlns:a16="http://schemas.microsoft.com/office/drawing/2014/main" id="{FB06EA51-4420-8C60-AC50-AC615A02FE09}"/>
               </a:ext>
             </a:extLst>
           </p:cNvPr>
@@ -2427,7 +2427,7 @@
           <a:bodyPr/>
           <a:lstStyle/>
           <a:p>
-            <a:fld id="{5B94420A-B2FA-413E-B6DB-BC2F9D919A1A}" type="slidenum">
+            <a:fld id="{7B71F5D0-ACF4-4FF7-84D1-4CA1B6D1E705}" type="slidenum">
               <a:rPr lang="zh-CN" altLang="en-US" smtClean="0"/>
               <a:t>‹#›</a:t>
             </a:fld>
@@ -2438,7 +2438,7 @@
     </p:spTree>
     <p:extLst>
       <p:ext uri="{BB962C8B-B14F-4D97-AF65-F5344CB8AC3E}">
-        <p14:creationId xmlns:p14="http://schemas.microsoft.com/office/powerpoint/2010/main" val="3536296617"/>
+        <p14:creationId xmlns:p14="http://schemas.microsoft.com/office/powerpoint/2010/main" val="2550154046"/>
       </p:ext>
     </p:extLst>
   </p:cSld>
@@ -2470,7 +2470,7 @@
           <p:cNvPr id="2" name="标题 1">
             <a:extLst>
               <a:ext uri="{FF2B5EF4-FFF2-40B4-BE49-F238E27FC236}">
-                <a16:creationId xmlns:a16="http://schemas.microsoft.com/office/drawing/2014/main" id="{D6070B0F-5D9C-E9F9-B35E-F290A038F771}"/>
+                <a16:creationId xmlns:a16="http://schemas.microsoft.com/office/drawing/2014/main" id="{FFD8D1F9-0D19-BABA-E236-872D75B459A7}"/>
               </a:ext>
             </a:extLst>
           </p:cNvPr>
@@ -2507,7 +2507,7 @@
           <p:cNvPr id="3" name="图片占位符 2">
             <a:extLst>
               <a:ext uri="{FF2B5EF4-FFF2-40B4-BE49-F238E27FC236}">
-                <a16:creationId xmlns:a16="http://schemas.microsoft.com/office/drawing/2014/main" id="{0CDA37D0-8A88-EF23-6214-92F96B3FA669}"/>
+                <a16:creationId xmlns:a16="http://schemas.microsoft.com/office/drawing/2014/main" id="{0B5F7D37-7BF3-830B-8068-8C0AC30486BF}"/>
               </a:ext>
             </a:extLst>
           </p:cNvPr>
@@ -2574,7 +2574,7 @@
           <p:cNvPr id="4" name="文本占位符 3">
             <a:extLst>
               <a:ext uri="{FF2B5EF4-FFF2-40B4-BE49-F238E27FC236}">
-                <a16:creationId xmlns:a16="http://schemas.microsoft.com/office/drawing/2014/main" id="{006D8B51-E10C-B764-9A33-C950E3CDF575}"/>
+                <a16:creationId xmlns:a16="http://schemas.microsoft.com/office/drawing/2014/main" id="{A07340E4-71B6-A560-5D9B-DA34C9D04699}"/>
               </a:ext>
             </a:extLst>
           </p:cNvPr>
@@ -2645,7 +2645,7 @@
           <p:cNvPr id="5" name="日期占位符 4">
             <a:extLst>
               <a:ext uri="{FF2B5EF4-FFF2-40B4-BE49-F238E27FC236}">
-                <a16:creationId xmlns:a16="http://schemas.microsoft.com/office/drawing/2014/main" id="{3376DFD3-0C91-0DDE-905A-FA571ADAEDA6}"/>
+                <a16:creationId xmlns:a16="http://schemas.microsoft.com/office/drawing/2014/main" id="{502F18AD-EE3E-A509-3F27-136EDD9F9E88}"/>
               </a:ext>
             </a:extLst>
           </p:cNvPr>
@@ -2661,7 +2661,7 @@
           <a:bodyPr/>
           <a:lstStyle/>
           <a:p>
-            <a:fld id="{73261EF9-80F5-49A3-94D6-B269AED977C5}" type="datetimeFigureOut">
+            <a:fld id="{FD2DB6D4-2B39-4B46-B120-35F5A2BE0022}" type="datetimeFigureOut">
               <a:rPr lang="zh-CN" altLang="en-US" smtClean="0"/>
               <a:t>2024/3/10</a:t>
             </a:fld>
@@ -2674,7 +2674,7 @@
           <p:cNvPr id="6" name="页脚占位符 5">
             <a:extLst>
               <a:ext uri="{FF2B5EF4-FFF2-40B4-BE49-F238E27FC236}">
-                <a16:creationId xmlns:a16="http://schemas.microsoft.com/office/drawing/2014/main" id="{2E178CB9-766E-F25D-55A2-F796BB80C3D2}"/>
+                <a16:creationId xmlns:a16="http://schemas.microsoft.com/office/drawing/2014/main" id="{F5AC4435-9432-FCAD-14C3-DC0CFF3FF026}"/>
               </a:ext>
             </a:extLst>
           </p:cNvPr>
@@ -2699,7 +2699,7 @@
           <p:cNvPr id="7" name="灯片编号占位符 6">
             <a:extLst>
               <a:ext uri="{FF2B5EF4-FFF2-40B4-BE49-F238E27FC236}">
-                <a16:creationId xmlns:a16="http://schemas.microsoft.com/office/drawing/2014/main" id="{97DBCE13-318F-CB80-C61D-EFAD5B0D2E72}"/>
+                <a16:creationId xmlns:a16="http://schemas.microsoft.com/office/drawing/2014/main" id="{D2D0CB2E-6E1F-D600-1A48-144B4AF74A86}"/>
               </a:ext>
             </a:extLst>
           </p:cNvPr>
@@ -2715,7 +2715,7 @@
           <a:bodyPr/>
           <a:lstStyle/>
           <a:p>
-            <a:fld id="{5B94420A-B2FA-413E-B6DB-BC2F9D919A1A}" type="slidenum">
+            <a:fld id="{7B71F5D0-ACF4-4FF7-84D1-4CA1B6D1E705}" type="slidenum">
               <a:rPr lang="zh-CN" altLang="en-US" smtClean="0"/>
               <a:t>‹#›</a:t>
             </a:fld>
@@ -2726,7 +2726,7 @@
     </p:spTree>
     <p:extLst>
       <p:ext uri="{BB962C8B-B14F-4D97-AF65-F5344CB8AC3E}">
-        <p14:creationId xmlns:p14="http://schemas.microsoft.com/office/powerpoint/2010/main" val="1999712004"/>
+        <p14:creationId xmlns:p14="http://schemas.microsoft.com/office/powerpoint/2010/main" val="611445321"/>
       </p:ext>
     </p:extLst>
   </p:cSld>
@@ -2763,7 +2763,7 @@
           <p:cNvPr id="2" name="标题占位符 1">
             <a:extLst>
               <a:ext uri="{FF2B5EF4-FFF2-40B4-BE49-F238E27FC236}">
-                <a16:creationId xmlns:a16="http://schemas.microsoft.com/office/drawing/2014/main" id="{928570F9-575F-FBFE-C05A-D7EDBC2ACC6C}"/>
+                <a16:creationId xmlns:a16="http://schemas.microsoft.com/office/drawing/2014/main" id="{8ECD6B54-5599-948D-F834-C086F08DDAB7}"/>
               </a:ext>
             </a:extLst>
           </p:cNvPr>
@@ -2801,7 +2801,7 @@
           <p:cNvPr id="3" name="文本占位符 2">
             <a:extLst>
               <a:ext uri="{FF2B5EF4-FFF2-40B4-BE49-F238E27FC236}">
-                <a16:creationId xmlns:a16="http://schemas.microsoft.com/office/drawing/2014/main" id="{F017E4BA-A1F6-9672-B099-79691FFDC669}"/>
+                <a16:creationId xmlns:a16="http://schemas.microsoft.com/office/drawing/2014/main" id="{85A44417-4154-711B-DED9-A1AD63B06CF6}"/>
               </a:ext>
             </a:extLst>
           </p:cNvPr>
@@ -2868,7 +2868,7 @@
           <p:cNvPr id="4" name="日期占位符 3">
             <a:extLst>
               <a:ext uri="{FF2B5EF4-FFF2-40B4-BE49-F238E27FC236}">
-                <a16:creationId xmlns:a16="http://schemas.microsoft.com/office/drawing/2014/main" id="{3D4F1D20-B22E-CA51-824C-BAB534CBBDD6}"/>
+                <a16:creationId xmlns:a16="http://schemas.microsoft.com/office/drawing/2014/main" id="{61CB1585-2A06-88E1-4645-9184444D2D95}"/>
               </a:ext>
             </a:extLst>
           </p:cNvPr>
@@ -2902,7 +2902,7 @@
             </a:lvl1pPr>
           </a:lstStyle>
           <a:p>
-            <a:fld id="{73261EF9-80F5-49A3-94D6-B269AED977C5}" type="datetimeFigureOut">
+            <a:fld id="{FD2DB6D4-2B39-4B46-B120-35F5A2BE0022}" type="datetimeFigureOut">
               <a:rPr lang="zh-CN" altLang="en-US" smtClean="0"/>
               <a:t>2024/3/10</a:t>
             </a:fld>
@@ -2915,7 +2915,7 @@
           <p:cNvPr id="5" name="页脚占位符 4">
             <a:extLst>
               <a:ext uri="{FF2B5EF4-FFF2-40B4-BE49-F238E27FC236}">
-                <a16:creationId xmlns:a16="http://schemas.microsoft.com/office/drawing/2014/main" id="{0E9B11DB-0E6F-9DF1-C71E-44CBAC990C5F}"/>
+                <a16:creationId xmlns:a16="http://schemas.microsoft.com/office/drawing/2014/main" id="{F283DC09-70BB-5BC9-F1F7-71E53F237F40}"/>
               </a:ext>
             </a:extLst>
           </p:cNvPr>
@@ -2958,7 +2958,7 @@
           <p:cNvPr id="6" name="灯片编号占位符 5">
             <a:extLst>
               <a:ext uri="{FF2B5EF4-FFF2-40B4-BE49-F238E27FC236}">
-                <a16:creationId xmlns:a16="http://schemas.microsoft.com/office/drawing/2014/main" id="{D50E307A-6572-2A08-0316-55127314268A}"/>
+                <a16:creationId xmlns:a16="http://schemas.microsoft.com/office/drawing/2014/main" id="{E654D8D7-4AC3-6EC5-0A49-0A99EDF5238E}"/>
               </a:ext>
             </a:extLst>
           </p:cNvPr>
@@ -2992,7 +2992,7 @@
             </a:lvl1pPr>
           </a:lstStyle>
           <a:p>
-            <a:fld id="{5B94420A-B2FA-413E-B6DB-BC2F9D919A1A}" type="slidenum">
+            <a:fld id="{7B71F5D0-ACF4-4FF7-84D1-4CA1B6D1E705}" type="slidenum">
               <a:rPr lang="zh-CN" altLang="en-US" smtClean="0"/>
               <a:t>‹#›</a:t>
             </a:fld>
@@ -3003,7 +3003,7 @@
     </p:spTree>
     <p:extLst>
       <p:ext uri="{BB962C8B-B14F-4D97-AF65-F5344CB8AC3E}">
-        <p14:creationId xmlns:p14="http://schemas.microsoft.com/office/powerpoint/2010/main" val="628984556"/>
+        <p14:creationId xmlns:p14="http://schemas.microsoft.com/office/powerpoint/2010/main" val="716629427"/>
       </p:ext>
     </p:extLst>
   </p:cSld>
@@ -3323,7 +3323,7 @@
       </p:grpSpPr>
       <p:pic>
         <p:nvPicPr>
-          <p:cNvPr id="1610754" name="Picture 2" descr="1572"/>
+          <p:cNvPr id="1611778" name="Picture 2" descr="1573"/>
           <p:cNvPicPr>
             <a:picLocks noChangeAspect="1" noChangeArrowheads="1"/>
           </p:cNvPicPr>
@@ -3344,8 +3344,8 @@
         </p:blipFill>
         <p:spPr bwMode="auto">
           <a:xfrm>
-            <a:off x="1524000" y="0"/>
-            <a:ext cx="9144000" cy="6858000"/>
+            <a:off x="1543050" y="14288"/>
+            <a:ext cx="9124950" cy="6843712"/>
           </a:xfrm>
           <a:prstGeom prst="rect">
             <a:avLst/>
